--- a/What's new in C# 9.0.pptx
+++ b/What's new in C# 9.0.pptx
@@ -30393,128 +30393,37 @@
         <p:spPr>
           <a:xfrm>
             <a:off x="5232942" y="25485"/>
-            <a:ext cx="2432021" cy="800860"/>
+            <a:ext cx="2432021" cy="333489"/>
           </a:xfrm>
           <a:prstGeom prst="rect">
             <a:avLst/>
           </a:prstGeom>
         </p:spPr>
         <p:txBody>
-          <a:bodyPr wrap="square">
+          <a:bodyPr wrap="none">
             <a:spAutoFit/>
           </a:bodyPr>
           <a:lstStyle/>
           <a:p>
-            <a:pPr marL="0" marR="0" lvl="0" indent="0" algn="l" defTabSz="913665" rtl="0" eaLnBrk="1" fontAlgn="auto" latinLnBrk="0" hangingPunct="1">
-              <a:lnSpc>
-                <a:spcPct val="100000"/>
-              </a:lnSpc>
-              <a:spcBef>
-                <a:spcPts val="0"/>
-              </a:spcBef>
-              <a:spcAft>
-                <a:spcPts val="0"/>
-              </a:spcAft>
-              <a:buClrTx/>
-              <a:buSzTx/>
-              <a:buFontTx/>
-              <a:buNone/>
-              <a:tabLst/>
-              <a:defRPr/>
-            </a:pPr>
+            <a:pPr defTabSz="913665"/>
             <a:r>
-              <a:rPr lang="en-US" sz="1567" b="1" dirty="0">
-                <a:solidFill>
-                  <a:srgbClr val="FFFFFF"/>
-                </a:solidFill>
+              <a:rPr lang="en-US" sz="1469" b="1" dirty="0">
+                <a:gradFill>
+                  <a:gsLst>
+                    <a:gs pos="1333">
+                      <a:prstClr val="white"/>
+                    </a:gs>
+                    <a:gs pos="8000">
+                      <a:prstClr val="white"/>
+                    </a:gs>
+                  </a:gsLst>
+                  <a:lin ang="5400000" scaled="0"/>
+                </a:gradFill>
                 <a:latin typeface="Segoe UI" panose="020B0502040204020203" pitchFamily="34" charset="0"/>
                 <a:cs typeface="Segoe UI" panose="020B0502040204020203" pitchFamily="34" charset="0"/>
               </a:rPr>
               <a:t>Partial-method features</a:t>
             </a:r>
-            <a:endParaRPr kumimoji="0" lang="en-US" sz="1567" b="1" i="0" u="none" strike="noStrike" kern="1200" cap="none" spc="0" normalizeH="0" baseline="0" noProof="0" dirty="0">
-              <a:ln>
-                <a:noFill/>
-              </a:ln>
-              <a:solidFill>
-                <a:srgbClr val="FFFFFF"/>
-              </a:solidFill>
-              <a:effectLst/>
-              <a:uLnTx/>
-              <a:uFillTx/>
-              <a:latin typeface="Segoe UI" panose="020B0502040204020203" pitchFamily="34" charset="0"/>
-              <a:ea typeface="+mn-ea"/>
-              <a:cs typeface="Segoe UI" panose="020B0502040204020203" pitchFamily="34" charset="0"/>
-            </a:endParaRPr>
-          </a:p>
-          <a:p>
-            <a:pPr marL="0" marR="0" lvl="0" indent="0" algn="l" defTabSz="913665" rtl="0" eaLnBrk="1" fontAlgn="auto" latinLnBrk="0" hangingPunct="1">
-              <a:lnSpc>
-                <a:spcPct val="100000"/>
-              </a:lnSpc>
-              <a:spcBef>
-                <a:spcPts val="0"/>
-              </a:spcBef>
-              <a:spcAft>
-                <a:spcPts val="0"/>
-              </a:spcAft>
-              <a:buClrTx/>
-              <a:buSzTx/>
-              <a:buFontTx/>
-              <a:buNone/>
-              <a:tabLst/>
-              <a:defRPr/>
-            </a:pPr>
-            <a:r>
-              <a:rPr kumimoji="0" lang="en-US" sz="1470" b="1" i="0" u="none" strike="noStrike" kern="1200" cap="none" spc="0" normalizeH="0" baseline="0" noProof="0" dirty="0">
-                <a:ln>
-                  <a:noFill/>
-                </a:ln>
-                <a:solidFill>
-                  <a:srgbClr val="FFFFFF"/>
-                </a:solidFill>
-                <a:effectLst/>
-                <a:uLnTx/>
-                <a:uFillTx/>
-                <a:latin typeface="Segoe UI" panose="020B0502040204020203" pitchFamily="34" charset="0"/>
-                <a:ea typeface="+mn-ea"/>
-                <a:cs typeface="Segoe UI" panose="020B0502040204020203" pitchFamily="34" charset="0"/>
-              </a:rPr>
-              <a:t>            </a:t>
-            </a:r>
-          </a:p>
-          <a:p>
-            <a:pPr marL="0" marR="0" lvl="0" indent="0" algn="l" defTabSz="913665" rtl="0" eaLnBrk="1" fontAlgn="auto" latinLnBrk="0" hangingPunct="1">
-              <a:lnSpc>
-                <a:spcPct val="100000"/>
-              </a:lnSpc>
-              <a:spcBef>
-                <a:spcPts val="0"/>
-              </a:spcBef>
-              <a:spcAft>
-                <a:spcPts val="0"/>
-              </a:spcAft>
-              <a:buClrTx/>
-              <a:buSzTx/>
-              <a:buFontTx/>
-              <a:buNone/>
-              <a:tabLst/>
-              <a:defRPr/>
-            </a:pPr>
-            <a:endParaRPr kumimoji="0" lang="en-US" sz="1567" b="1" i="0" u="none" strike="noStrike" kern="1200" cap="none" spc="0" normalizeH="0" baseline="0" noProof="0" dirty="0">
-              <a:ln>
-                <a:noFill/>
-              </a:ln>
-              <a:solidFill>
-                <a:srgbClr val="FFFFFF"/>
-              </a:solidFill>
-              <a:effectLst/>
-              <a:uLnTx/>
-              <a:uFillTx/>
-              <a:latin typeface="Segoe UI" panose="020B0502040204020203" pitchFamily="34" charset="0"/>
-              <a:ea typeface="+mn-ea"/>
-              <a:cs typeface="Segoe UI" panose="020B0502040204020203" pitchFamily="34" charset="0"/>
-            </a:endParaRPr>
           </a:p>
         </p:txBody>
       </p:sp>
@@ -30564,10 +30473,18 @@
               <a:defRPr/>
             </a:pPr>
             <a:r>
-              <a:rPr lang="en-US" sz="1470" b="1" dirty="0" err="1">
-                <a:solidFill>
-                  <a:srgbClr val="FFFFFF"/>
-                </a:solidFill>
+              <a:rPr lang="en-US" sz="1469" b="1" dirty="0" err="1">
+                <a:gradFill>
+                  <a:gsLst>
+                    <a:gs pos="1333">
+                      <a:prstClr val="white"/>
+                    </a:gs>
+                    <a:gs pos="8000">
+                      <a:prstClr val="white"/>
+                    </a:gs>
+                  </a:gsLst>
+                  <a:lin ang="5400000" scaled="0"/>
+                </a:gradFill>
                 <a:latin typeface="Segoe UI" panose="020B0502040204020203" pitchFamily="34" charset="0"/>
                 <a:cs typeface="Segoe UI" panose="020B0502040204020203" pitchFamily="34" charset="0"/>
               </a:rPr>
@@ -30581,7 +30498,25 @@
                 <a:latin typeface="Segoe UI" panose="020B0502040204020203" pitchFamily="34" charset="0"/>
                 <a:cs typeface="Segoe UI" panose="020B0502040204020203" pitchFamily="34" charset="0"/>
               </a:rPr>
-              <a:t> extension</a:t>
+              <a:t> </a:t>
+            </a:r>
+            <a:r>
+              <a:rPr lang="en-US" sz="1469" b="1" dirty="0">
+                <a:gradFill>
+                  <a:gsLst>
+                    <a:gs pos="1333">
+                      <a:prstClr val="white"/>
+                    </a:gs>
+                    <a:gs pos="8000">
+                      <a:prstClr val="white"/>
+                    </a:gs>
+                  </a:gsLst>
+                  <a:lin ang="5400000" scaled="0"/>
+                </a:gradFill>
+                <a:latin typeface="Segoe UI" panose="020B0502040204020203" pitchFamily="34" charset="0"/>
+                <a:cs typeface="Segoe UI" panose="020B0502040204020203" pitchFamily="34" charset="0"/>
+              </a:rPr>
+              <a:t>extension</a:t>
             </a:r>
           </a:p>
           <a:p>
@@ -30603,27 +30538,23 @@
               <a:defRPr/>
             </a:pPr>
             <a:r>
-              <a:rPr lang="en-US" sz="1470" b="1" dirty="0">
-                <a:solidFill>
-                  <a:srgbClr val="FFFFFF"/>
-                </a:solidFill>
+              <a:rPr lang="en-US" sz="1469" b="1" dirty="0">
+                <a:gradFill>
+                  <a:gsLst>
+                    <a:gs pos="1333">
+                      <a:prstClr val="white"/>
+                    </a:gs>
+                    <a:gs pos="8000">
+                      <a:prstClr val="white"/>
+                    </a:gs>
+                  </a:gsLst>
+                  <a:lin ang="5400000" scaled="0"/>
+                </a:gradFill>
                 <a:latin typeface="Segoe UI" panose="020B0502040204020203" pitchFamily="34" charset="0"/>
                 <a:cs typeface="Segoe UI" panose="020B0502040204020203" pitchFamily="34" charset="0"/>
               </a:rPr>
               <a:t>methods</a:t>
             </a:r>
-            <a:endParaRPr kumimoji="0" lang="en-US" sz="1470" b="1" i="0" u="none" strike="noStrike" kern="1200" cap="none" spc="0" normalizeH="0" baseline="0" noProof="0" dirty="0">
-              <a:ln>
-                <a:noFill/>
-              </a:ln>
-              <a:solidFill>
-                <a:srgbClr val="101128"/>
-              </a:solidFill>
-              <a:effectLst/>
-              <a:uLnTx/>
-              <a:uFillTx/>
-              <a:latin typeface="Calibri"/>
-            </a:endParaRPr>
           </a:p>
         </p:txBody>
       </p:sp>
@@ -32309,15 +32240,6 @@
 </file>
 
 <file path=customXml/item1.xml><?xml version="1.0" encoding="utf-8"?>
-<?mso-contentType ?>
-<FormTemplates xmlns="http://schemas.microsoft.com/sharepoint/v3/contenttype/forms">
-  <Display>DocumentLibraryForm</Display>
-  <Edit>DocumentLibraryForm</Edit>
-  <New>DocumentLibraryForm</New>
-</FormTemplates>
-</file>
-
-<file path=customXml/item2.xml><?xml version="1.0" encoding="utf-8"?>
 <ct:contentTypeSchema xmlns:ct="http://schemas.microsoft.com/office/2006/metadata/contentType" xmlns:ma="http://schemas.microsoft.com/office/2006/metadata/properties/metaAttributes" ct:_="" ma:_="" ma:contentTypeName="Document" ma:contentTypeID="0x010100D6A9C401D1373E4F9267E1ECF6A7578C" ma:contentTypeVersion="11" ma:contentTypeDescription="Create a new document." ma:contentTypeScope="" ma:versionID="0136836a6870bb04b43b5c41f18bc73c">
   <xsd:schema xmlns:xsd="http://www.w3.org/2001/XMLSchema" xmlns:xs="http://www.w3.org/2001/XMLSchema" xmlns:p="http://schemas.microsoft.com/office/2006/metadata/properties" xmlns:ns2="6cc4f3bd-4402-4735-afb1-c6af653bc110" xmlns:ns3="a72adca3-69ff-455e-be8b-8d46656b534a" targetNamespace="http://schemas.microsoft.com/office/2006/metadata/properties" ma:root="true" ma:fieldsID="d00162ca720079931b57cf306ea10753" ns2:_="" ns3:_="">
     <xsd:import namespace="6cc4f3bd-4402-4735-afb1-c6af653bc110"/>
@@ -32528,6 +32450,15 @@
 </ct:contentTypeSchema>
 </file>
 
+<file path=customXml/item2.xml><?xml version="1.0" encoding="utf-8"?>
+<?mso-contentType ?>
+<FormTemplates xmlns="http://schemas.microsoft.com/sharepoint/v3/contenttype/forms">
+  <Display>DocumentLibraryForm</Display>
+  <Edit>DocumentLibraryForm</Edit>
+  <New>DocumentLibraryForm</New>
+</FormTemplates>
+</file>
+
 <file path=customXml/item3.xml><?xml version="1.0" encoding="utf-8"?>
 <p:properties xmlns:p="http://schemas.microsoft.com/office/2006/metadata/properties" xmlns:xsi="http://www.w3.org/2001/XMLSchema-instance" xmlns:pc="http://schemas.microsoft.com/office/infopath/2007/PartnerControls">
   <documentManagement>
@@ -32548,14 +32479,6 @@
 </file>
 
 <file path=customXml/itemProps1.xml><?xml version="1.0" encoding="utf-8"?>
-<ds:datastoreItem xmlns:ds="http://schemas.openxmlformats.org/officeDocument/2006/customXml" ds:itemID="{6E485EEA-ED29-493B-8637-E15BD20E0DC1}">
-  <ds:schemaRefs>
-    <ds:schemaRef ds:uri="http://schemas.microsoft.com/sharepoint/v3/contenttype/forms"/>
-  </ds:schemaRefs>
-</ds:datastoreItem>
-</file>
-
-<file path=customXml/itemProps2.xml><?xml version="1.0" encoding="utf-8"?>
 <ds:datastoreItem xmlns:ds="http://schemas.openxmlformats.org/officeDocument/2006/customXml" ds:itemID="{887B71D6-E0A5-483B-A5FC-C695E60335C3}">
   <ds:schemaRefs>
     <ds:schemaRef ds:uri="6cc4f3bd-4402-4735-afb1-c6af653bc110"/>
@@ -32570,6 +32493,14 @@
     <ds:schemaRef ds:uri="http://schemas.microsoft.com/office/infopath/2007/PartnerControls"/>
     <ds:schemaRef ds:uri="http://schemas.openxmlformats.org/package/2006/metadata/core-properties"/>
     <ds:schemaRef ds:uri="http://www.w3.org/2001/XMLSchema"/>
+  </ds:schemaRefs>
+</ds:datastoreItem>
+</file>
+
+<file path=customXml/itemProps2.xml><?xml version="1.0" encoding="utf-8"?>
+<ds:datastoreItem xmlns:ds="http://schemas.openxmlformats.org/officeDocument/2006/customXml" ds:itemID="{6E485EEA-ED29-493B-8637-E15BD20E0DC1}">
+  <ds:schemaRefs>
+    <ds:schemaRef ds:uri="http://schemas.microsoft.com/sharepoint/v3/contenttype/forms"/>
   </ds:schemaRefs>
 </ds:datastoreItem>
 </file>
